--- a/2DGP_1차발표_2021184041_양주호.pptx
+++ b/2DGP_1차발표_2021184041_양주호.pptx
@@ -108,6 +108,11 @@
       </a:defRPr>
     </a:lvl9pPr>
   </p:defaultTextStyle>
+  <p:extLst>
+    <p:ext uri="{EFAFB233-063F-42B5-8137-9DF3F51BA10A}">
+      <p15:sldGuideLst xmlns:p15="http://schemas.microsoft.com/office/powerpoint/2012/main"/>
+    </p:ext>
+  </p:extLst>
 </p:presentation>
 </file>
 
@@ -5906,7 +5911,7 @@
           <p:nvPr>
             <p:extLst>
               <p:ext uri="{D42A27DB-BD31-4B8C-83A1-F6EECF244321}">
-                <p14:modId xmlns:p14="http://schemas.microsoft.com/office/powerpoint/2010/main" val="1811495104"/>
+                <p14:modId xmlns:p14="http://schemas.microsoft.com/office/powerpoint/2010/main" val="4177979720"/>
               </p:ext>
             </p:extLst>
           </p:nvPr>
@@ -6010,7 +6015,7 @@
                           <a:latin typeface="D2Coding" panose="020B0609020101020101" pitchFamily="49" charset="-127"/>
                           <a:ea typeface="D2Coding" panose="020B0609020101020101" pitchFamily="49" charset="-127"/>
                         </a:rPr>
-                        <a:t>캐릭터 리소스 및 게임 </a:t>
+                        <a:t>캐릭터 및 게임 </a:t>
                       </a:r>
                       <a:r>
                         <a:rPr lang="en-US" altLang="ko-KR" dirty="0">
@@ -6018,6 +6023,20 @@
                           <a:ea typeface="D2Coding" panose="020B0609020101020101" pitchFamily="49" charset="-127"/>
                         </a:rPr>
                         <a:t>UI </a:t>
+                      </a:r>
+                      <a:r>
+                        <a:rPr lang="ko-KR" altLang="en-US" dirty="0">
+                          <a:latin typeface="D2Coding" panose="020B0609020101020101" pitchFamily="49" charset="-127"/>
+                          <a:ea typeface="D2Coding" panose="020B0609020101020101" pitchFamily="49" charset="-127"/>
+                        </a:rPr>
+                        <a:t>리소스</a:t>
+                      </a:r>
+                      <a:r>
+                        <a:rPr lang="en-US" altLang="ko-KR" dirty="0">
+                          <a:latin typeface="D2Coding" panose="020B0609020101020101" pitchFamily="49" charset="-127"/>
+                          <a:ea typeface="D2Coding" panose="020B0609020101020101" pitchFamily="49" charset="-127"/>
+                        </a:rPr>
+                        <a:t> </a:t>
                       </a:r>
                       <a:r>
                         <a:rPr lang="ko-KR" altLang="en-US" dirty="0">
